--- a/Rabu/Statistika/Minggu 10 - Korelasi dan Regresi Sederhana/regresi dan korelasi sederhana.pptx
+++ b/Rabu/Statistika/Minggu 10 - Korelasi dan Regresi Sederhana/regresi dan korelasi sederhana.pptx
@@ -343,7 +343,7 @@
           <a:p>
             <a:fld id="{1D8BD707-D9CF-40AE-B4C6-C98DA3205C09}" type="datetimeFigureOut">
               <a:rPr lang="en-US"/>
-              <a:t>12/2/2020</a:t>
+              <a:t>12/3/2020</a:t>
             </a:fld>
             <a:endParaRPr lang="en-US"/>
           </a:p>
@@ -528,7 +528,7 @@
           <a:p>
             <a:fld id="{1D8BD707-D9CF-40AE-B4C6-C98DA3205C09}" type="datetimeFigureOut">
               <a:rPr lang="en-US"/>
-              <a:t>12/2/2020</a:t>
+              <a:t>12/3/2020</a:t>
             </a:fld>
             <a:endParaRPr lang="en-US"/>
           </a:p>
@@ -779,7 +779,7 @@
           <a:p>
             <a:fld id="{1D8BD707-D9CF-40AE-B4C6-C98DA3205C09}" type="datetimeFigureOut">
               <a:rPr lang="en-US"/>
-              <a:t>12/2/2020</a:t>
+              <a:t>12/3/2020</a:t>
             </a:fld>
             <a:endParaRPr lang="en-US"/>
           </a:p>
@@ -4886,8 +4886,8 @@
         </p:nvSpPr>
         <p:spPr>
           <a:xfrm>
-            <a:off x="5124450" y="2858261"/>
-            <a:ext cx="3086100" cy="2009775"/>
+            <a:off x="5124450" y="1009765"/>
+            <a:ext cx="5924550" cy="3858272"/>
           </a:xfrm>
           <a:prstGeom prst="rect">
             <a:avLst/>
@@ -5786,7 +5786,7 @@
               </a:rPr>
               <a:t>𝑟</a:t>
             </a:r>
-            <a:endParaRPr sz="3200">
+            <a:endParaRPr sz="3200" dirty="0">
               <a:latin typeface="Cambria Math"/>
               <a:cs typeface="Cambria Math"/>
             </a:endParaRPr>
@@ -6112,7 +6112,7 @@
               </a:rPr>
               <a:t>]</a:t>
             </a:r>
-            <a:endParaRPr sz="3200">
+            <a:endParaRPr sz="3200" dirty="0">
               <a:latin typeface="Cambria Math"/>
               <a:cs typeface="Cambria Math"/>
             </a:endParaRPr>
@@ -8287,7 +8287,7 @@
               </a:rPr>
               <a:t>2</a:t>
             </a:r>
-            <a:endParaRPr sz="1950" baseline="27777">
+            <a:endParaRPr sz="1950" baseline="27777" dirty="0">
               <a:latin typeface="Cambria Math"/>
               <a:cs typeface="Cambria Math"/>
             </a:endParaRPr>
@@ -9660,7 +9660,7 @@
               </a:rPr>
               <a:t> 0,461</a:t>
             </a:r>
-            <a:endParaRPr sz="1800">
+            <a:endParaRPr sz="1800" dirty="0">
               <a:latin typeface="Cambria Math"/>
               <a:cs typeface="Cambria Math"/>
             </a:endParaRPr>
@@ -9674,7 +9674,7 @@
                 <a:spcPts val="30"/>
               </a:spcBef>
             </a:pPr>
-            <a:endParaRPr sz="1900">
+            <a:endParaRPr sz="1900" dirty="0">
               <a:latin typeface="Times New Roman"/>
               <a:cs typeface="Times New Roman"/>
             </a:endParaRPr>
@@ -9765,7 +9765,7 @@
               </a:rPr>
               <a:t>54</a:t>
             </a:r>
-            <a:endParaRPr sz="1800">
+            <a:endParaRPr sz="1800" dirty="0">
               <a:latin typeface="Arial"/>
               <a:cs typeface="Arial"/>
             </a:endParaRPr>
@@ -9804,7 +9804,7 @@
               </a:rPr>
               <a:t>lain</a:t>
             </a:r>
-            <a:endParaRPr sz="1800">
+            <a:endParaRPr sz="1800" dirty="0">
               <a:latin typeface="Arial"/>
               <a:cs typeface="Arial"/>
             </a:endParaRPr>
@@ -9920,7 +9920,7 @@
               </a:rPr>
               <a:t>Hipotesis</a:t>
             </a:r>
-            <a:endParaRPr sz="3000">
+            <a:endParaRPr sz="3000" dirty="0">
               <a:latin typeface="Calibri"/>
               <a:cs typeface="Calibri"/>
             </a:endParaRPr>
@@ -10004,7 +10004,7 @@
               </a:rPr>
               <a:t>ROA</a:t>
             </a:r>
-            <a:endParaRPr sz="3000">
+            <a:endParaRPr sz="3000" dirty="0">
               <a:latin typeface="Calibri"/>
               <a:cs typeface="Calibri"/>
             </a:endParaRPr>
@@ -10071,7 +10071,7 @@
               </a:rPr>
               <a:t>ROA</a:t>
             </a:r>
-            <a:endParaRPr sz="3000">
+            <a:endParaRPr sz="3000" dirty="0">
               <a:latin typeface="Calibri"/>
               <a:cs typeface="Calibri"/>
             </a:endParaRPr>
@@ -10085,7 +10085,7 @@
                 <a:spcPts val="20"/>
               </a:spcBef>
             </a:pPr>
-            <a:endParaRPr sz="3050">
+            <a:endParaRPr sz="3050" dirty="0">
               <a:latin typeface="Times New Roman"/>
               <a:cs typeface="Times New Roman"/>
             </a:endParaRPr>
@@ -10128,7 +10128,7 @@
               </a:rPr>
               <a:t>Keputusan</a:t>
             </a:r>
-            <a:endParaRPr sz="3000">
+            <a:endParaRPr sz="3000" dirty="0">
               <a:latin typeface="Calibri"/>
               <a:cs typeface="Calibri"/>
             </a:endParaRPr>
@@ -10268,7 +10268,7 @@
               </a:rPr>
               <a:t>0.05</a:t>
             </a:r>
-            <a:endParaRPr sz="3000">
+            <a:endParaRPr sz="3000" dirty="0">
               <a:latin typeface="Calibri"/>
               <a:cs typeface="Calibri"/>
             </a:endParaRPr>
@@ -11909,10 +11909,6 @@
               </a:rPr>
               <a:t>𝑏𝑥</a:t>
             </a:r>
-            <a:endParaRPr sz="2400">
-              <a:latin typeface="Cambria Math"/>
-              <a:cs typeface="Cambria Math"/>
-            </a:endParaRPr>
           </a:p>
           <a:p>
             <a:pPr>
@@ -11923,7 +11919,7 @@
                 <a:spcPts val="25"/>
               </a:spcBef>
             </a:pPr>
-            <a:endParaRPr sz="3400">
+            <a:endParaRPr sz="3400" dirty="0">
               <a:latin typeface="Times New Roman"/>
               <a:cs typeface="Times New Roman"/>
             </a:endParaRPr>
@@ -11958,10 +11954,6 @@
               </a:rPr>
               <a:t>a</a:t>
             </a:r>
-            <a:endParaRPr sz="2400">
-              <a:latin typeface="Calibri"/>
-              <a:cs typeface="Calibri"/>
-            </a:endParaRPr>
           </a:p>
         </p:txBody>
       </p:sp>
@@ -12029,10 +12021,6 @@
               </a:rPr>
               <a:t>𝑋</a:t>
             </a:r>
-            <a:endParaRPr sz="2400">
-              <a:latin typeface="Cambria Math"/>
-              <a:cs typeface="Cambria Math"/>
-            </a:endParaRPr>
           </a:p>
           <a:p>
             <a:pPr marL="12700">
@@ -12061,10 +12049,6 @@
               </a:rPr>
               <a:t>=</a:t>
             </a:r>
-            <a:endParaRPr sz="2400">
-              <a:latin typeface="Cambria Math"/>
-              <a:cs typeface="Cambria Math"/>
-            </a:endParaRPr>
           </a:p>
         </p:txBody>
       </p:sp>
@@ -17519,7 +17503,7 @@
               <a:rPr sz="3600" spc="-15" dirty="0"/>
               <a:t>Korelasi</a:t>
             </a:r>
-            <a:endParaRPr sz="3600"/>
+            <a:endParaRPr sz="3600" dirty="0"/>
           </a:p>
         </p:txBody>
       </p:sp>
@@ -18707,10 +18691,6 @@
               </a:rPr>
               <a:t>regresi</a:t>
             </a:r>
-            <a:endParaRPr sz="2000">
-              <a:latin typeface="Arial"/>
-              <a:cs typeface="Arial"/>
-            </a:endParaRPr>
           </a:p>
           <a:p>
             <a:pPr marL="469900">
@@ -18749,10 +18729,6 @@
               </a:rPr>
               <a:t>X</a:t>
             </a:r>
-            <a:endParaRPr sz="2000">
-              <a:latin typeface="Arial"/>
-              <a:cs typeface="Arial"/>
-            </a:endParaRPr>
           </a:p>
           <a:p>
             <a:pPr marL="469900" marR="5080" indent="-457834">
@@ -18803,10 +18779,6 @@
               </a:rPr>
               <a:t>determinasi</a:t>
             </a:r>
-            <a:endParaRPr sz="2000">
-              <a:latin typeface="Arial"/>
-              <a:cs typeface="Arial"/>
-            </a:endParaRPr>
           </a:p>
         </p:txBody>
       </p:sp>
@@ -20971,10 +20943,6 @@
               </a:rPr>
               <a:t>𝑌</a:t>
             </a:r>
-            <a:endParaRPr sz="1800">
-              <a:latin typeface="Cambria Math"/>
-              <a:cs typeface="Cambria Math"/>
-            </a:endParaRPr>
           </a:p>
           <a:p>
             <a:pPr marL="63500">
@@ -21116,7 +21084,7 @@
               </a:rPr>
               <a:t>2</a:t>
             </a:r>
-            <a:endParaRPr sz="1950" baseline="23504">
+            <a:endParaRPr sz="1950" baseline="23504" dirty="0">
               <a:latin typeface="Cambria Math"/>
               <a:cs typeface="Cambria Math"/>
             </a:endParaRPr>
@@ -21215,10 +21183,6 @@
               </a:rPr>
               <a:t>au</a:t>
             </a:r>
-            <a:endParaRPr sz="1800">
-              <a:latin typeface="Calibri"/>
-              <a:cs typeface="Calibri"/>
-            </a:endParaRPr>
           </a:p>
         </p:txBody>
       </p:sp>
@@ -21329,10 +21293,6 @@
               </a:rPr>
               <a:t>𝑥𝑦</a:t>
             </a:r>
-            <a:endParaRPr sz="1800">
-              <a:latin typeface="Cambria Math"/>
-              <a:cs typeface="Cambria Math"/>
-            </a:endParaRPr>
           </a:p>
         </p:txBody>
       </p:sp>
@@ -21682,7 +21642,7 @@
               </a:rPr>
               <a:t>𝑌)</a:t>
             </a:r>
-            <a:endParaRPr sz="2700" baseline="41666">
+            <a:endParaRPr sz="2700" baseline="41666" dirty="0">
               <a:latin typeface="Cambria Math"/>
               <a:cs typeface="Cambria Math"/>
             </a:endParaRPr>
@@ -21916,7 +21876,7 @@
               </a:rPr>
               <a:t>𝑋)2</a:t>
             </a:r>
-            <a:endParaRPr sz="1800">
+            <a:endParaRPr sz="1800" dirty="0">
               <a:latin typeface="Cambria Math"/>
               <a:cs typeface="Cambria Math"/>
             </a:endParaRPr>
@@ -21937,10 +21897,6 @@
               </a:rPr>
               <a:t>𝑛</a:t>
             </a:r>
-            <a:endParaRPr sz="1800">
-              <a:latin typeface="Cambria Math"/>
-              <a:cs typeface="Cambria Math"/>
-            </a:endParaRPr>
           </a:p>
         </p:txBody>
       </p:sp>
@@ -27484,7 +27440,7 @@
               </a:rPr>
               <a:t>𝑌)</a:t>
             </a:r>
-            <a:endParaRPr sz="2200">
+            <a:endParaRPr sz="2200" dirty="0">
               <a:latin typeface="Cambria Math"/>
               <a:cs typeface="Cambria Math"/>
             </a:endParaRPr>
@@ -28345,8 +28301,8 @@
         </p:nvSpPr>
         <p:spPr>
           <a:xfrm>
-            <a:off x="1120025" y="2878582"/>
-            <a:ext cx="2712974" cy="1969135"/>
+            <a:off x="-1466913" y="1894231"/>
+            <a:ext cx="5943600" cy="4313993"/>
           </a:xfrm>
           <a:prstGeom prst="rect">
             <a:avLst/>
@@ -29548,8 +29504,8 @@
         </p:nvSpPr>
         <p:spPr>
           <a:xfrm>
-            <a:off x="1120025" y="2878582"/>
-            <a:ext cx="2712974" cy="1969135"/>
+            <a:off x="-1855198" y="1847912"/>
+            <a:ext cx="5052175" cy="3666978"/>
           </a:xfrm>
           <a:prstGeom prst="rect">
             <a:avLst/>
